--- a/Day_1/Lectures/Day_1_Lecture_Identifier.pptx
+++ b/Day_1/Lectures/Day_1_Lecture_Identifier.pptx
@@ -16,7 +16,7 @@
     <p:sldId id="260" r:id="rId7"/>
     <p:sldId id="261" r:id="rId8"/>
     <p:sldId id="262" r:id="rId9"/>
-    <p:sldId id="264" r:id="rId10"/>
+    <p:sldId id="265" r:id="rId10"/>
   </p:sldIdLst>
   <p:sldSz cx="9144000" cy="6858000" type="screen4x3"/>
   <p:notesSz cx="6858000" cy="9144000"/>
@@ -200,7 +200,7 @@
           <a:p>
             <a:fld id="{F812B0B4-9C1E-C84F-91DC-C94EF554C0AE}" type="datetimeFigureOut">
               <a:rPr lang="en-US" smtClean="0"/>
-              <a:t>12/29/14</a:t>
+              <a:t>1/18/15</a:t>
             </a:fld>
             <a:endParaRPr lang="en-US"/>
           </a:p>
@@ -552,6 +552,144 @@
 </p:notes>
 </file>
 
+<file path=ppt/notesSlides/notesSlide2.xml><?xml version="1.0" encoding="utf-8"?>
+<p:notes xmlns:a="http://schemas.openxmlformats.org/drawingml/2006/main" xmlns:r="http://schemas.openxmlformats.org/officeDocument/2006/relationships" xmlns:p="http://schemas.openxmlformats.org/presentationml/2006/main">
+  <p:cSld>
+    <p:spTree>
+      <p:nvGrpSpPr>
+        <p:cNvPr id="1" name=""/>
+        <p:cNvGrpSpPr/>
+        <p:nvPr/>
+      </p:nvGrpSpPr>
+      <p:grpSpPr>
+        <a:xfrm>
+          <a:off x="0" y="0"/>
+          <a:ext cx="0" cy="0"/>
+          <a:chOff x="0" y="0"/>
+          <a:chExt cx="0" cy="0"/>
+        </a:xfrm>
+      </p:grpSpPr>
+      <p:sp>
+        <p:nvSpPr>
+          <p:cNvPr id="2" name="Slide Image Placeholder 1"/>
+          <p:cNvSpPr>
+            <a:spLocks noGrp="1" noRot="1" noChangeAspect="1"/>
+          </p:cNvSpPr>
+          <p:nvPr>
+            <p:ph type="sldImg"/>
+          </p:nvPr>
+        </p:nvSpPr>
+        <p:spPr/>
+      </p:sp>
+      <p:sp>
+        <p:nvSpPr>
+          <p:cNvPr id="3" name="Notes Placeholder 2"/>
+          <p:cNvSpPr>
+            <a:spLocks noGrp="1"/>
+          </p:cNvSpPr>
+          <p:nvPr>
+            <p:ph type="body" idx="1"/>
+          </p:nvPr>
+        </p:nvSpPr>
+        <p:spPr/>
+        <p:txBody>
+          <a:bodyPr/>
+          <a:lstStyle/>
+          <a:p>
+            <a:r>
+              <a:rPr lang="en-US" dirty="0" smtClean="0"/>
+              <a:t>Spend time talking about what the </a:t>
+            </a:r>
+            <a:r>
+              <a:rPr lang="en-US" dirty="0" err="1" smtClean="0"/>
+              <a:t>doi</a:t>
+            </a:r>
+            <a:r>
+              <a:rPr lang="en-US" dirty="0" smtClean="0"/>
+              <a:t> does</a:t>
+            </a:r>
+          </a:p>
+          <a:p>
+            <a:endParaRPr lang="en-US" dirty="0" smtClean="0"/>
+          </a:p>
+          <a:p>
+            <a:r>
+              <a:rPr lang="en-US" dirty="0" smtClean="0"/>
+              <a:t>It resolves</a:t>
+            </a:r>
+            <a:r>
+              <a:rPr lang="en-US" baseline="0" dirty="0" smtClean="0"/>
+              <a:t> to a landing page… and even though the </a:t>
+            </a:r>
+            <a:r>
+              <a:rPr lang="en-US" baseline="0" dirty="0" err="1" smtClean="0"/>
+              <a:t>resorce</a:t>
+            </a:r>
+            <a:r>
+              <a:rPr lang="en-US" baseline="0" dirty="0" smtClean="0"/>
+              <a:t> might change, the </a:t>
+            </a:r>
+            <a:r>
+              <a:rPr lang="en-US" baseline="0" dirty="0" err="1" smtClean="0"/>
+              <a:t>doi</a:t>
+            </a:r>
+            <a:r>
+              <a:rPr lang="en-US" baseline="0" dirty="0" smtClean="0"/>
+              <a:t> doesn’t – so we can move </a:t>
+            </a:r>
+            <a:r>
+              <a:rPr lang="en-US" baseline="0" dirty="0" err="1" smtClean="0"/>
+              <a:t>doi</a:t>
+            </a:r>
+            <a:r>
+              <a:rPr lang="en-US" baseline="0" dirty="0" smtClean="0"/>
+              <a:t> to continue to point at the resource… (I obviously do not know how this works) </a:t>
+            </a:r>
+          </a:p>
+          <a:p>
+            <a:endParaRPr lang="en-US" baseline="0" smtClean="0"/>
+          </a:p>
+          <a:p>
+            <a:endParaRPr lang="en-US"/>
+          </a:p>
+        </p:txBody>
+      </p:sp>
+      <p:sp>
+        <p:nvSpPr>
+          <p:cNvPr id="4" name="Slide Number Placeholder 3"/>
+          <p:cNvSpPr>
+            <a:spLocks noGrp="1"/>
+          </p:cNvSpPr>
+          <p:nvPr>
+            <p:ph type="sldNum" sz="quarter" idx="10"/>
+          </p:nvPr>
+        </p:nvSpPr>
+        <p:spPr/>
+        <p:txBody>
+          <a:bodyPr/>
+          <a:lstStyle/>
+          <a:p>
+            <a:fld id="{D039233A-916A-5744-A9BC-3EF587F5A9D3}" type="slidenum">
+              <a:rPr lang="en-US" smtClean="0"/>
+              <a:t>9</a:t>
+            </a:fld>
+            <a:endParaRPr lang="en-US"/>
+          </a:p>
+        </p:txBody>
+      </p:sp>
+    </p:spTree>
+    <p:extLst>
+      <p:ext uri="{BB962C8B-B14F-4D97-AF65-F5344CB8AC3E}">
+        <p14:creationId xmlns:p14="http://schemas.microsoft.com/office/powerpoint/2010/main" val="1264386389"/>
+      </p:ext>
+    </p:extLst>
+  </p:cSld>
+  <p:clrMapOvr>
+    <a:masterClrMapping/>
+  </p:clrMapOvr>
+</p:notes>
+</file>
+
 <file path=ppt/slideLayouts/slideLayout1.xml><?xml version="1.0" encoding="utf-8"?>
 <p:sldLayout xmlns:a="http://schemas.openxmlformats.org/drawingml/2006/main" xmlns:r="http://schemas.openxmlformats.org/officeDocument/2006/relationships" xmlns:p="http://schemas.openxmlformats.org/presentationml/2006/main" type="title" preserve="1">
   <p:cSld name="Title Slide">
@@ -733,7 +871,7 @@
           <a:p>
             <a:fld id="{9D6228D5-5F93-BB4A-964B-203967C46295}" type="datetimeFigureOut">
               <a:rPr lang="en-US" smtClean="0"/>
-              <a:t>12/29/14</a:t>
+              <a:t>1/18/15</a:t>
             </a:fld>
             <a:endParaRPr lang="en-US"/>
           </a:p>
@@ -903,7 +1041,7 @@
           <a:p>
             <a:fld id="{9D6228D5-5F93-BB4A-964B-203967C46295}" type="datetimeFigureOut">
               <a:rPr lang="en-US" smtClean="0"/>
-              <a:t>12/29/14</a:t>
+              <a:t>1/18/15</a:t>
             </a:fld>
             <a:endParaRPr lang="en-US"/>
           </a:p>
@@ -1083,7 +1221,7 @@
           <a:p>
             <a:fld id="{9D6228D5-5F93-BB4A-964B-203967C46295}" type="datetimeFigureOut">
               <a:rPr lang="en-US" smtClean="0"/>
-              <a:t>12/29/14</a:t>
+              <a:t>1/18/15</a:t>
             </a:fld>
             <a:endParaRPr lang="en-US"/>
           </a:p>
@@ -1253,7 +1391,7 @@
           <a:p>
             <a:fld id="{9D6228D5-5F93-BB4A-964B-203967C46295}" type="datetimeFigureOut">
               <a:rPr lang="en-US" smtClean="0"/>
-              <a:t>12/29/14</a:t>
+              <a:t>1/18/15</a:t>
             </a:fld>
             <a:endParaRPr lang="en-US"/>
           </a:p>
@@ -1499,7 +1637,7 @@
           <a:p>
             <a:fld id="{9D6228D5-5F93-BB4A-964B-203967C46295}" type="datetimeFigureOut">
               <a:rPr lang="en-US" smtClean="0"/>
-              <a:t>12/29/14</a:t>
+              <a:t>1/18/15</a:t>
             </a:fld>
             <a:endParaRPr lang="en-US"/>
           </a:p>
@@ -1787,7 +1925,7 @@
           <a:p>
             <a:fld id="{9D6228D5-5F93-BB4A-964B-203967C46295}" type="datetimeFigureOut">
               <a:rPr lang="en-US" smtClean="0"/>
-              <a:t>12/29/14</a:t>
+              <a:t>1/18/15</a:t>
             </a:fld>
             <a:endParaRPr lang="en-US"/>
           </a:p>
@@ -2209,7 +2347,7 @@
           <a:p>
             <a:fld id="{9D6228D5-5F93-BB4A-964B-203967C46295}" type="datetimeFigureOut">
               <a:rPr lang="en-US" smtClean="0"/>
-              <a:t>12/29/14</a:t>
+              <a:t>1/18/15</a:t>
             </a:fld>
             <a:endParaRPr lang="en-US"/>
           </a:p>
@@ -2327,7 +2465,7 @@
           <a:p>
             <a:fld id="{9D6228D5-5F93-BB4A-964B-203967C46295}" type="datetimeFigureOut">
               <a:rPr lang="en-US" smtClean="0"/>
-              <a:t>12/29/14</a:t>
+              <a:t>1/18/15</a:t>
             </a:fld>
             <a:endParaRPr lang="en-US"/>
           </a:p>
@@ -2422,7 +2560,7 @@
           <a:p>
             <a:fld id="{9D6228D5-5F93-BB4A-964B-203967C46295}" type="datetimeFigureOut">
               <a:rPr lang="en-US" smtClean="0"/>
-              <a:t>12/29/14</a:t>
+              <a:t>1/18/15</a:t>
             </a:fld>
             <a:endParaRPr lang="en-US"/>
           </a:p>
@@ -2699,7 +2837,7 @@
           <a:p>
             <a:fld id="{9D6228D5-5F93-BB4A-964B-203967C46295}" type="datetimeFigureOut">
               <a:rPr lang="en-US" smtClean="0"/>
-              <a:t>12/29/14</a:t>
+              <a:t>1/18/15</a:t>
             </a:fld>
             <a:endParaRPr lang="en-US"/>
           </a:p>
@@ -2956,7 +3094,7 @@
           <a:p>
             <a:fld id="{9D6228D5-5F93-BB4A-964B-203967C46295}" type="datetimeFigureOut">
               <a:rPr lang="en-US" smtClean="0"/>
-              <a:t>12/29/14</a:t>
+              <a:t>1/18/15</a:t>
             </a:fld>
             <a:endParaRPr lang="en-US"/>
           </a:p>
@@ -3169,7 +3307,7 @@
           <a:p>
             <a:fld id="{9D6228D5-5F93-BB4A-964B-203967C46295}" type="datetimeFigureOut">
               <a:rPr lang="en-US" smtClean="0"/>
-              <a:t>12/29/14</a:t>
+              <a:t>1/18/15</a:t>
             </a:fld>
             <a:endParaRPr lang="en-US"/>
           </a:p>
@@ -4594,7 +4732,7 @@
         </p:blipFill>
         <p:spPr>
           <a:xfrm>
-            <a:off x="1164332" y="1979309"/>
+            <a:off x="1279782" y="1979309"/>
             <a:ext cx="1664224" cy="1584975"/>
           </a:xfrm>
           <a:prstGeom prst="rect">
@@ -4618,7 +4756,7 @@
         </p:blipFill>
         <p:spPr>
           <a:xfrm>
-            <a:off x="3864817" y="2311987"/>
+            <a:off x="4291537" y="2240867"/>
             <a:ext cx="2540000" cy="1016000"/>
           </a:xfrm>
           <a:prstGeom prst="rect">
@@ -4725,40 +4863,109 @@
           <a:lstStyle/>
           <a:p>
             <a:r>
+              <a:rPr lang="en-US" dirty="0" smtClean="0"/>
+              <a:t>What is a DOI ? </a:t>
+            </a:r>
+            <a:endParaRPr lang="en-US" dirty="0"/>
+          </a:p>
+        </p:txBody>
+      </p:sp>
+      <p:sp>
+        <p:nvSpPr>
+          <p:cNvPr id="3" name="Content Placeholder 2"/>
+          <p:cNvSpPr>
+            <a:spLocks noGrp="1"/>
+          </p:cNvSpPr>
+          <p:nvPr>
+            <p:ph idx="1"/>
+          </p:nvPr>
+        </p:nvSpPr>
+        <p:spPr/>
+        <p:txBody>
+          <a:bodyPr/>
+          <a:lstStyle/>
+          <a:p>
+            <a:pPr marL="0" indent="0">
+              <a:buNone/>
+            </a:pPr>
+            <a:endParaRPr lang="en-US" dirty="0" smtClean="0"/>
+          </a:p>
+          <a:p>
+            <a:pPr marL="0" indent="0">
+              <a:buNone/>
+            </a:pPr>
+            <a:endParaRPr lang="en-US" dirty="0"/>
+          </a:p>
+          <a:p>
+            <a:pPr marL="0" indent="0">
+              <a:buNone/>
+            </a:pPr>
+            <a:endParaRPr lang="en-US" dirty="0" smtClean="0"/>
+          </a:p>
+          <a:p>
+            <a:pPr marL="0" indent="0">
+              <a:buNone/>
+            </a:pPr>
+            <a:endParaRPr lang="en-US" dirty="0" smtClean="0"/>
+          </a:p>
+          <a:p>
+            <a:pPr marL="0" indent="0">
+              <a:buNone/>
+            </a:pPr>
+            <a:r>
               <a:rPr lang="en-US" dirty="0" err="1" smtClean="0"/>
-              <a:t>dataCITE</a:t>
+              <a:t>dx.doi</a:t>
             </a:r>
             <a:r>
               <a:rPr lang="en-US" dirty="0" smtClean="0"/>
-              <a:t> Metadata Kernel</a:t>
+              <a:t>/org: 10.245e3s- </a:t>
+            </a:r>
+            <a:r>
+              <a:rPr lang="en-US" dirty="0" err="1" smtClean="0"/>
+              <a:t>instituionalID</a:t>
+            </a:r>
+            <a:r>
+              <a:rPr lang="en-US" dirty="0" smtClean="0"/>
+              <a:t>-unique string</a:t>
             </a:r>
             <a:endParaRPr lang="en-US" dirty="0"/>
           </a:p>
         </p:txBody>
       </p:sp>
-      <p:sp>
-        <p:nvSpPr>
-          <p:cNvPr id="3" name="Content Placeholder 2"/>
-          <p:cNvSpPr>
-            <a:spLocks noGrp="1"/>
-          </p:cNvSpPr>
-          <p:nvPr>
-            <p:ph idx="1"/>
-          </p:nvPr>
-        </p:nvSpPr>
-        <p:spPr/>
-        <p:txBody>
-          <a:bodyPr/>
-          <a:lstStyle/>
-          <a:p>
-            <a:endParaRPr lang="en-US"/>
-          </a:p>
-        </p:txBody>
-      </p:sp>
+      <p:pic>
+        <p:nvPicPr>
+          <p:cNvPr id="4" name="Picture 3" descr="doi-name.png"/>
+          <p:cNvPicPr>
+            <a:picLocks noChangeAspect="1"/>
+          </p:cNvPicPr>
+          <p:nvPr/>
+        </p:nvPicPr>
+        <p:blipFill>
+          <a:blip r:embed="rId3">
+            <a:extLst>
+              <a:ext uri="{28A0092B-C50C-407E-A947-70E740481C1C}">
+                <a14:useLocalDpi xmlns:a14="http://schemas.microsoft.com/office/drawing/2010/main" val="0"/>
+              </a:ext>
+            </a:extLst>
+          </a:blip>
+          <a:stretch>
+            <a:fillRect/>
+          </a:stretch>
+        </p:blipFill>
+        <p:spPr>
+          <a:xfrm>
+            <a:off x="1137920" y="1933800"/>
+            <a:ext cx="6247130" cy="1711100"/>
+          </a:xfrm>
+          <a:prstGeom prst="rect">
+            <a:avLst/>
+          </a:prstGeom>
+        </p:spPr>
+      </p:pic>
     </p:spTree>
     <p:extLst>
       <p:ext uri="{BB962C8B-B14F-4D97-AF65-F5344CB8AC3E}">
-        <p14:creationId xmlns:p14="http://schemas.microsoft.com/office/powerpoint/2010/main" val="2669155670"/>
+        <p14:creationId xmlns:p14="http://schemas.microsoft.com/office/powerpoint/2010/main" val="3722085706"/>
       </p:ext>
     </p:extLst>
   </p:cSld>
